--- a/trie.pptx
+++ b/trie.pptx
@@ -127,7 +127,7 @@
   <pc:docChgLst>
     <pc:chgData name="Kesavram V S" userId="e2a0f174-f174-4f86-9929-d335bf991410" providerId="ADAL" clId="{316B920D-4F2B-43BC-B3A1-844320E8B4B2}"/>
     <pc:docChg chg="undo custSel modSld">
-      <pc:chgData name="Kesavram V S" userId="e2a0f174-f174-4f86-9929-d335bf991410" providerId="ADAL" clId="{316B920D-4F2B-43BC-B3A1-844320E8B4B2}" dt="2024-05-10T07:16:22.953" v="507" actId="20577"/>
+      <pc:chgData name="Kesavram V S" userId="e2a0f174-f174-4f86-9929-d335bf991410" providerId="ADAL" clId="{316B920D-4F2B-43BC-B3A1-844320E8B4B2}" dt="2024-05-10T14:52:24.051" v="508" actId="20577"/>
       <pc:docMkLst>
         <pc:docMk/>
       </pc:docMkLst>
@@ -217,13 +217,13 @@
         </pc:picChg>
       </pc:sldChg>
       <pc:sldChg chg="modSp mod">
-        <pc:chgData name="Kesavram V S" userId="e2a0f174-f174-4f86-9929-d335bf991410" providerId="ADAL" clId="{316B920D-4F2B-43BC-B3A1-844320E8B4B2}" dt="2024-05-10T07:16:22.953" v="507" actId="20577"/>
+        <pc:chgData name="Kesavram V S" userId="e2a0f174-f174-4f86-9929-d335bf991410" providerId="ADAL" clId="{316B920D-4F2B-43BC-B3A1-844320E8B4B2}" dt="2024-05-10T14:52:24.051" v="508" actId="20577"/>
         <pc:sldMkLst>
           <pc:docMk/>
           <pc:sldMk cId="536759553" sldId="267"/>
         </pc:sldMkLst>
         <pc:spChg chg="mod">
-          <ac:chgData name="Kesavram V S" userId="e2a0f174-f174-4f86-9929-d335bf991410" providerId="ADAL" clId="{316B920D-4F2B-43BC-B3A1-844320E8B4B2}" dt="2024-05-10T07:16:22.953" v="507" actId="20577"/>
+          <ac:chgData name="Kesavram V S" userId="e2a0f174-f174-4f86-9929-d335bf991410" providerId="ADAL" clId="{316B920D-4F2B-43BC-B3A1-844320E8B4B2}" dt="2024-05-10T14:52:24.051" v="508" actId="20577"/>
           <ac:spMkLst>
             <pc:docMk/>
             <pc:sldMk cId="536759553" sldId="267"/>
@@ -2354,31 +2354,7 @@
                   <a:schemeClr val="bg1"/>
                 </a:solidFill>
               </a:rPr>
-              <a:t>Tester: Krishna S, Amitesh M, Selva </a:t>
-            </a:r>
-            <a:r>
-              <a:rPr lang="en-US" sz="3600" b="1">
-                <a:solidFill>
-                  <a:schemeClr val="bg1"/>
-                </a:solidFill>
-              </a:rPr>
-              <a:t>Akash M , </a:t>
-            </a:r>
-            <a:r>
-              <a:rPr lang="en-US" sz="3600" b="1" dirty="0">
-                <a:solidFill>
-                  <a:schemeClr val="bg1"/>
-                </a:solidFill>
-              </a:rPr>
-              <a:t>Abhijit S </a:t>
-            </a:r>
-            <a:r>
-              <a:rPr lang="en-US" sz="3600" b="1">
-                <a:solidFill>
-                  <a:schemeClr val="bg1"/>
-                </a:solidFill>
-              </a:rPr>
-              <a:t>, Hariharan.</a:t>
+              <a:t>Tester: Krishna S, Amitesh M, Selva Akash M , Abhijit S , Hariharan.</a:t>
             </a:r>
             <a:endParaRPr lang="en-US" sz="3600" b="1" dirty="0">
               <a:solidFill>
@@ -2426,12 +2402,20 @@
               </a:lnSpc>
             </a:pPr>
             <a:r>
+              <a:rPr lang="en-US" sz="3600" b="1">
+                <a:solidFill>
+                  <a:schemeClr val="bg1"/>
+                </a:solidFill>
+              </a:rPr>
+              <a:t>Project </a:t>
+            </a:r>
+            <a:r>
               <a:rPr lang="en-US" sz="3600" b="1" dirty="0">
                 <a:solidFill>
                   <a:schemeClr val="bg1"/>
                 </a:solidFill>
               </a:rPr>
-              <a:t> Project Manager: Aaditya S Shah </a:t>
+              <a:t>Manager: Aaditya S Shah </a:t>
             </a:r>
           </a:p>
         </p:txBody>
